--- a/report draft and presentation files/Slides.pptx
+++ b/report draft and presentation files/Slides.pptx
@@ -137,7 +137,7 @@
 <file path=ppt/revisionInfo.xml><?xml version="1.0" encoding="utf-8"?>
 <p1510:revInfo xmlns:a="http://schemas.openxmlformats.org/drawingml/2006/main" xmlns:r="http://schemas.openxmlformats.org/officeDocument/2006/relationships" xmlns:p1510="http://schemas.microsoft.com/office/powerpoint/2015/10/main">
   <p1510:revLst>
-    <p1510:client id="{3D6033B6-D504-4D9E-B385-BECCAECE0576}" v="133" dt="2025-04-16T11:36:12.315"/>
+    <p1510:client id="{3D6033B6-D504-4D9E-B385-BECCAECE0576}" v="365" dt="2025-04-16T11:48:28.870"/>
   </p1510:revLst>
 </p1510:revInfo>
 </file>
@@ -147,7 +147,7 @@
   <pc:docChgLst>
     <pc:chgData name="Christopher Abel" userId="b584e762eabcfb5c" providerId="LiveId" clId="{3D6033B6-D504-4D9E-B385-BECCAECE0576}"/>
     <pc:docChg chg="undo custSel addSld delSld modSld modMainMaster">
-      <pc:chgData name="Christopher Abel" userId="b584e762eabcfb5c" providerId="LiveId" clId="{3D6033B6-D504-4D9E-B385-BECCAECE0576}" dt="2025-04-16T11:36:15.335" v="1172" actId="1076"/>
+      <pc:chgData name="Christopher Abel" userId="b584e762eabcfb5c" providerId="LiveId" clId="{3D6033B6-D504-4D9E-B385-BECCAECE0576}" dt="2025-04-16T11:48:28.870" v="1536" actId="20577"/>
       <pc:docMkLst>
         <pc:docMk/>
       </pc:docMkLst>
@@ -243,7 +243,7 @@
         </pc:spChg>
       </pc:sldChg>
       <pc:sldChg chg="addSp delSp modSp new mod modClrScheme chgLayout">
-        <pc:chgData name="Christopher Abel" userId="b584e762eabcfb5c" providerId="LiveId" clId="{3D6033B6-D504-4D9E-B385-BECCAECE0576}" dt="2025-04-16T11:36:15.335" v="1172" actId="1076"/>
+        <pc:chgData name="Christopher Abel" userId="b584e762eabcfb5c" providerId="LiveId" clId="{3D6033B6-D504-4D9E-B385-BECCAECE0576}" dt="2025-04-16T11:48:28.870" v="1536" actId="20577"/>
         <pc:sldMkLst>
           <pc:docMk/>
           <pc:sldMk cId="2535767229" sldId="261"/>
@@ -281,7 +281,7 @@
           </ac:spMkLst>
         </pc:spChg>
         <pc:spChg chg="add mod ord">
-          <ac:chgData name="Christopher Abel" userId="b584e762eabcfb5c" providerId="LiveId" clId="{3D6033B6-D504-4D9E-B385-BECCAECE0576}" dt="2025-04-16T11:34:42.938" v="1145" actId="20577"/>
+          <ac:chgData name="Christopher Abel" userId="b584e762eabcfb5c" providerId="LiveId" clId="{3D6033B6-D504-4D9E-B385-BECCAECE0576}" dt="2025-04-16T11:48:28.870" v="1536" actId="20577"/>
           <ac:spMkLst>
             <pc:docMk/>
             <pc:sldMk cId="2535767229" sldId="261"/>
@@ -5533,7 +5533,110 @@
                 </a:r>
               </a:p>
               <a:p>
-                <a:endParaRPr lang="en-US" sz="2400" dirty="0"/>
+                <a:r>
+                  <a:rPr lang="en-US" dirty="0"/>
+                  <a:t>Focusing on the velocity in the direction of the flow (</a:t>
+                </a:r>
+                <a14:m>
+                  <m:oMath xmlns:m="http://schemas.openxmlformats.org/officeDocument/2006/math">
+                    <m:sSub>
+                      <m:sSubPr>
+                        <m:ctrlPr>
+                          <a:rPr lang="en-US" b="0" i="1" smtClean="0">
+                            <a:latin typeface="Cambria Math" panose="02040503050406030204" pitchFamily="18" charset="0"/>
+                          </a:rPr>
+                        </m:ctrlPr>
+                      </m:sSubPr>
+                      <m:e>
+                        <m:r>
+                          <a:rPr lang="en-US" b="0" i="1" smtClean="0">
+                            <a:latin typeface="Cambria Math" panose="02040503050406030204" pitchFamily="18" charset="0"/>
+                          </a:rPr>
+                          <m:t>𝑢</m:t>
+                        </m:r>
+                      </m:e>
+                      <m:sub>
+                        <m:r>
+                          <a:rPr lang="en-US" b="0" i="1" smtClean="0">
+                            <a:latin typeface="Cambria Math" panose="02040503050406030204" pitchFamily="18" charset="0"/>
+                          </a:rPr>
+                          <m:t>𝑥</m:t>
+                        </m:r>
+                      </m:sub>
+                    </m:sSub>
+                  </m:oMath>
+                </a14:m>
+                <a:r>
+                  <a:rPr lang="en-US" sz="2400" dirty="0"/>
+                  <a:t>), as this </a:t>
+                </a:r>
+                <a:r>
+                  <a:rPr lang="en-US" dirty="0"/>
+                  <a:t>will dominate the overall velocity</a:t>
+                </a:r>
+              </a:p>
+              <a:p>
+                <a:r>
+                  <a:rPr lang="en-US" dirty="0"/>
+                  <a:t>Plates are “non-slip” -- </a:t>
+                </a:r>
+                <a14:m>
+                  <m:oMath xmlns:m="http://schemas.openxmlformats.org/officeDocument/2006/math">
+                    <m:sSub>
+                      <m:sSubPr>
+                        <m:ctrlPr>
+                          <a:rPr lang="en-US" b="0" i="1" smtClean="0">
+                            <a:latin typeface="Cambria Math" panose="02040503050406030204" pitchFamily="18" charset="0"/>
+                          </a:rPr>
+                        </m:ctrlPr>
+                      </m:sSubPr>
+                      <m:e>
+                        <m:r>
+                          <a:rPr lang="en-US" b="0" i="1" smtClean="0">
+                            <a:latin typeface="Cambria Math" panose="02040503050406030204" pitchFamily="18" charset="0"/>
+                          </a:rPr>
+                          <m:t>𝑢</m:t>
+                        </m:r>
+                      </m:e>
+                      <m:sub>
+                        <m:r>
+                          <a:rPr lang="en-US" b="0" i="1" smtClean="0">
+                            <a:latin typeface="Cambria Math" panose="02040503050406030204" pitchFamily="18" charset="0"/>
+                          </a:rPr>
+                          <m:t>𝑥</m:t>
+                        </m:r>
+                      </m:sub>
+                    </m:sSub>
+                    <m:r>
+                      <a:rPr lang="en-US" b="0" i="1" smtClean="0">
+                        <a:latin typeface="Cambria Math" panose="02040503050406030204" pitchFamily="18" charset="0"/>
+                        <a:ea typeface="Cambria Math" panose="02040503050406030204" pitchFamily="18" charset="0"/>
+                      </a:rPr>
+                      <m:t>→0</m:t>
+                    </m:r>
+                  </m:oMath>
+                </a14:m>
+                <a:r>
+                  <a:rPr lang="en-US" dirty="0"/>
+                  <a:t> at </a:t>
+                </a:r>
+                <a14:m>
+                  <m:oMath xmlns:m="http://schemas.openxmlformats.org/officeDocument/2006/math">
+                    <m:r>
+                      <a:rPr lang="en-US" b="0" i="1" smtClean="0">
+                        <a:latin typeface="Cambria Math" panose="02040503050406030204" pitchFamily="18" charset="0"/>
+                      </a:rPr>
+                      <m:t>𝑦</m:t>
+                    </m:r>
+                    <m:r>
+                      <a:rPr lang="en-US" b="0" i="1" smtClean="0">
+                        <a:latin typeface="Cambria Math" panose="02040503050406030204" pitchFamily="18" charset="0"/>
+                      </a:rPr>
+                      <m:t>=±1</m:t>
+                    </m:r>
+                  </m:oMath>
+                </a14:m>
+                <a:endParaRPr lang="en-US" dirty="0"/>
               </a:p>
             </p:txBody>
           </p:sp>
@@ -5852,8 +5955,8 @@
           </a:fontRef>
         </p:style>
       </p:cxnSp>
-      <mc:AlternateContent xmlns:mc="http://schemas.openxmlformats.org/markup-compatibility/2006">
-        <mc:Choice xmlns:a14="http://schemas.microsoft.com/office/drawing/2010/main" Requires="a14">
+      <mc:AlternateContent xmlns:mc="http://schemas.openxmlformats.org/markup-compatibility/2006" xmlns:a14="http://schemas.microsoft.com/office/drawing/2010/main">
+        <mc:Choice Requires="a14">
           <p:sp>
             <p:nvSpPr>
               <p:cNvPr id="16" name="TextBox 15">
@@ -5882,6 +5985,7 @@
               </a:bodyPr>
               <a:lstStyle/>
               <a:p>
+                <a:pPr/>
                 <a14:m>
                   <m:oMathPara xmlns:m="http://schemas.openxmlformats.org/officeDocument/2006/math">
                     <m:oMathParaPr>
@@ -5914,7 +6018,7 @@
             </p:txBody>
           </p:sp>
         </mc:Choice>
-        <mc:Fallback>
+        <mc:Fallback xmlns="">
           <p:sp>
             <p:nvSpPr>
               <p:cNvPr id="16" name="TextBox 15">
@@ -5959,8 +6063,8 @@
           </p:sp>
         </mc:Fallback>
       </mc:AlternateContent>
-      <mc:AlternateContent xmlns:mc="http://schemas.openxmlformats.org/markup-compatibility/2006">
-        <mc:Choice xmlns:a14="http://schemas.microsoft.com/office/drawing/2010/main" Requires="a14">
+      <mc:AlternateContent xmlns:mc="http://schemas.openxmlformats.org/markup-compatibility/2006" xmlns:a14="http://schemas.microsoft.com/office/drawing/2010/main">
+        <mc:Choice Requires="a14">
           <p:sp>
             <p:nvSpPr>
               <p:cNvPr id="17" name="TextBox 16">
@@ -5989,6 +6093,7 @@
               </a:bodyPr>
               <a:lstStyle/>
               <a:p>
+                <a:pPr/>
                 <a14:m>
                   <m:oMathPara xmlns:m="http://schemas.openxmlformats.org/officeDocument/2006/math">
                     <m:oMathParaPr>
@@ -6021,7 +6126,7 @@
             </p:txBody>
           </p:sp>
         </mc:Choice>
-        <mc:Fallback>
+        <mc:Fallback xmlns="">
           <p:sp>
             <p:nvSpPr>
               <p:cNvPr id="17" name="TextBox 16">
@@ -6307,8 +6412,8 @@
           </a:fontRef>
         </p:style>
       </p:cxnSp>
-      <mc:AlternateContent xmlns:mc="http://schemas.openxmlformats.org/markup-compatibility/2006">
-        <mc:Choice xmlns:a14="http://schemas.microsoft.com/office/drawing/2010/main" Requires="a14">
+      <mc:AlternateContent xmlns:mc="http://schemas.openxmlformats.org/markup-compatibility/2006" xmlns:a14="http://schemas.microsoft.com/office/drawing/2010/main">
+        <mc:Choice Requires="a14">
           <p:sp>
             <p:nvSpPr>
               <p:cNvPr id="28" name="TextBox 27">
@@ -6337,6 +6442,7 @@
               </a:bodyPr>
               <a:lstStyle/>
               <a:p>
+                <a:pPr/>
                 <a14:m>
                   <m:oMathPara xmlns:m="http://schemas.openxmlformats.org/officeDocument/2006/math">
                     <m:oMathParaPr>
@@ -6369,7 +6475,7 @@
             </p:txBody>
           </p:sp>
         </mc:Choice>
-        <mc:Fallback>
+        <mc:Fallback xmlns="">
           <p:sp>
             <p:nvSpPr>
               <p:cNvPr id="28" name="TextBox 27">
@@ -6414,8 +6520,8 @@
           </p:sp>
         </mc:Fallback>
       </mc:AlternateContent>
-      <mc:AlternateContent xmlns:mc="http://schemas.openxmlformats.org/markup-compatibility/2006">
-        <mc:Choice xmlns:a14="http://schemas.microsoft.com/office/drawing/2010/main" Requires="a14">
+      <mc:AlternateContent xmlns:mc="http://schemas.openxmlformats.org/markup-compatibility/2006" xmlns:a14="http://schemas.microsoft.com/office/drawing/2010/main">
+        <mc:Choice Requires="a14">
           <p:sp>
             <p:nvSpPr>
               <p:cNvPr id="29" name="TextBox 28">
@@ -6444,6 +6550,7 @@
               </a:bodyPr>
               <a:lstStyle/>
               <a:p>
+                <a:pPr/>
                 <a14:m>
                   <m:oMathPara xmlns:m="http://schemas.openxmlformats.org/officeDocument/2006/math">
                     <m:oMathParaPr>
@@ -6476,7 +6583,7 @@
             </p:txBody>
           </p:sp>
         </mc:Choice>
-        <mc:Fallback>
+        <mc:Fallback xmlns="">
           <p:sp>
             <p:nvSpPr>
               <p:cNvPr id="29" name="TextBox 28">
@@ -6845,8 +6952,8 @@
             </p:style>
           </p:cxnSp>
         </p:grpSp>
-        <mc:AlternateContent xmlns:mc="http://schemas.openxmlformats.org/markup-compatibility/2006">
-          <mc:Choice xmlns:a14="http://schemas.microsoft.com/office/drawing/2010/main" Requires="a14">
+        <mc:AlternateContent xmlns:mc="http://schemas.openxmlformats.org/markup-compatibility/2006" xmlns:a14="http://schemas.microsoft.com/office/drawing/2010/main">
+          <mc:Choice Requires="a14">
             <p:sp>
               <p:nvSpPr>
                 <p:cNvPr id="45" name="TextBox 44">
@@ -6875,6 +6982,7 @@
                 </a:bodyPr>
                 <a:lstStyle/>
                 <a:p>
+                  <a:pPr/>
                   <a14:m>
                     <m:oMathPara xmlns:m="http://schemas.openxmlformats.org/officeDocument/2006/math">
                       <m:oMathParaPr>
@@ -6907,7 +7015,7 @@
               </p:txBody>
             </p:sp>
           </mc:Choice>
-          <mc:Fallback>
+          <mc:Fallback xmlns="">
             <p:sp>
               <p:nvSpPr>
                 <p:cNvPr id="45" name="TextBox 44">
@@ -6952,8 +7060,8 @@
             </p:sp>
           </mc:Fallback>
         </mc:AlternateContent>
-        <mc:AlternateContent xmlns:mc="http://schemas.openxmlformats.org/markup-compatibility/2006">
-          <mc:Choice xmlns:a14="http://schemas.microsoft.com/office/drawing/2010/main" Requires="a14">
+        <mc:AlternateContent xmlns:mc="http://schemas.openxmlformats.org/markup-compatibility/2006" xmlns:a14="http://schemas.microsoft.com/office/drawing/2010/main">
+          <mc:Choice Requires="a14">
             <p:sp>
               <p:nvSpPr>
                 <p:cNvPr id="46" name="TextBox 45">
@@ -6982,6 +7090,7 @@
                 </a:bodyPr>
                 <a:lstStyle/>
                 <a:p>
+                  <a:pPr/>
                   <a14:m>
                     <m:oMathPara xmlns:m="http://schemas.openxmlformats.org/officeDocument/2006/math">
                       <m:oMathParaPr>
@@ -7014,7 +7123,7 @@
               </p:txBody>
             </p:sp>
           </mc:Choice>
-          <mc:Fallback>
+          <mc:Fallback xmlns="">
             <p:sp>
               <p:nvSpPr>
                 <p:cNvPr id="46" name="TextBox 45">
@@ -7059,8 +7168,8 @@
             </p:sp>
           </mc:Fallback>
         </mc:AlternateContent>
-        <mc:AlternateContent xmlns:mc="http://schemas.openxmlformats.org/markup-compatibility/2006">
-          <mc:Choice xmlns:a14="http://schemas.microsoft.com/office/drawing/2010/main" Requires="a14">
+        <mc:AlternateContent xmlns:mc="http://schemas.openxmlformats.org/markup-compatibility/2006" xmlns:a14="http://schemas.microsoft.com/office/drawing/2010/main">
+          <mc:Choice Requires="a14">
             <p:sp>
               <p:nvSpPr>
                 <p:cNvPr id="47" name="TextBox 46">
@@ -7089,6 +7198,7 @@
                 </a:bodyPr>
                 <a:lstStyle/>
                 <a:p>
+                  <a:pPr/>
                   <a14:m>
                     <m:oMathPara xmlns:m="http://schemas.openxmlformats.org/officeDocument/2006/math">
                       <m:oMathParaPr>
@@ -7121,7 +7231,7 @@
               </p:txBody>
             </p:sp>
           </mc:Choice>
-          <mc:Fallback>
+          <mc:Fallback xmlns="">
             <p:sp>
               <p:nvSpPr>
                 <p:cNvPr id="47" name="TextBox 46">
